--- a/graphs/2izm_Mutation_Graphs.pptx
+++ b/graphs/2izm_Mutation_Graphs.pptx
@@ -9,6 +9,8 @@
     <p:sldId id="285" r:id="rId3"/>
     <p:sldId id="286" r:id="rId4"/>
     <p:sldId id="287" r:id="rId5"/>
+    <p:sldId id="288" r:id="rId6"/>
+    <p:sldId id="289" r:id="rId7"/>
   </p:sldIdLst>
   <p:sldSz cx="12192000" cy="6858000"/>
   <p:notesSz cx="6858000" cy="9144000"/>
@@ -107,6 +109,11 @@
       </a:defRPr>
     </a:lvl9pPr>
   </p:defaultTextStyle>
+  <p:extLst>
+    <p:ext uri="{EFAFB233-063F-42B5-8137-9DF3F51BA10A}">
+      <p15:sldGuideLst xmlns:p15="http://schemas.microsoft.com/office/powerpoint/2012/main"/>
+    </p:ext>
+  </p:extLst>
 </p:presentation>
 </file>
 
@@ -257,7 +264,7 @@
           <a:p>
             <a:fld id="{F42FB555-FBBE-8B44-A6B9-742B2ECDC55B}" type="datetimeFigureOut">
               <a:rPr lang="en-US" smtClean="0"/>
-              <a:t>6/12/24</a:t>
+              <a:t>7/8/24</a:t>
             </a:fld>
             <a:endParaRPr lang="en-US"/>
           </a:p>
@@ -455,7 +462,7 @@
           <a:p>
             <a:fld id="{F42FB555-FBBE-8B44-A6B9-742B2ECDC55B}" type="datetimeFigureOut">
               <a:rPr lang="en-US" smtClean="0"/>
-              <a:t>6/12/24</a:t>
+              <a:t>7/8/24</a:t>
             </a:fld>
             <a:endParaRPr lang="en-US"/>
           </a:p>
@@ -663,7 +670,7 @@
           <a:p>
             <a:fld id="{F42FB555-FBBE-8B44-A6B9-742B2ECDC55B}" type="datetimeFigureOut">
               <a:rPr lang="en-US" smtClean="0"/>
-              <a:t>6/12/24</a:t>
+              <a:t>7/8/24</a:t>
             </a:fld>
             <a:endParaRPr lang="en-US"/>
           </a:p>
@@ -861,7 +868,7 @@
           <a:p>
             <a:fld id="{F42FB555-FBBE-8B44-A6B9-742B2ECDC55B}" type="datetimeFigureOut">
               <a:rPr lang="en-US" smtClean="0"/>
-              <a:t>6/12/24</a:t>
+              <a:t>7/8/24</a:t>
             </a:fld>
             <a:endParaRPr lang="en-US"/>
           </a:p>
@@ -1136,7 +1143,7 @@
           <a:p>
             <a:fld id="{F42FB555-FBBE-8B44-A6B9-742B2ECDC55B}" type="datetimeFigureOut">
               <a:rPr lang="en-US" smtClean="0"/>
-              <a:t>6/12/24</a:t>
+              <a:t>7/8/24</a:t>
             </a:fld>
             <a:endParaRPr lang="en-US"/>
           </a:p>
@@ -1401,7 +1408,7 @@
           <a:p>
             <a:fld id="{F42FB555-FBBE-8B44-A6B9-742B2ECDC55B}" type="datetimeFigureOut">
               <a:rPr lang="en-US" smtClean="0"/>
-              <a:t>6/12/24</a:t>
+              <a:t>7/8/24</a:t>
             </a:fld>
             <a:endParaRPr lang="en-US"/>
           </a:p>
@@ -1813,7 +1820,7 @@
           <a:p>
             <a:fld id="{F42FB555-FBBE-8B44-A6B9-742B2ECDC55B}" type="datetimeFigureOut">
               <a:rPr lang="en-US" smtClean="0"/>
-              <a:t>6/12/24</a:t>
+              <a:t>7/8/24</a:t>
             </a:fld>
             <a:endParaRPr lang="en-US"/>
           </a:p>
@@ -1954,7 +1961,7 @@
           <a:p>
             <a:fld id="{F42FB555-FBBE-8B44-A6B9-742B2ECDC55B}" type="datetimeFigureOut">
               <a:rPr lang="en-US" smtClean="0"/>
-              <a:t>6/12/24</a:t>
+              <a:t>7/8/24</a:t>
             </a:fld>
             <a:endParaRPr lang="en-US"/>
           </a:p>
@@ -2067,7 +2074,7 @@
           <a:p>
             <a:fld id="{F42FB555-FBBE-8B44-A6B9-742B2ECDC55B}" type="datetimeFigureOut">
               <a:rPr lang="en-US" smtClean="0"/>
-              <a:t>6/12/24</a:t>
+              <a:t>7/8/24</a:t>
             </a:fld>
             <a:endParaRPr lang="en-US"/>
           </a:p>
@@ -2378,7 +2385,7 @@
           <a:p>
             <a:fld id="{F42FB555-FBBE-8B44-A6B9-742B2ECDC55B}" type="datetimeFigureOut">
               <a:rPr lang="en-US" smtClean="0"/>
-              <a:t>6/12/24</a:t>
+              <a:t>7/8/24</a:t>
             </a:fld>
             <a:endParaRPr lang="en-US"/>
           </a:p>
@@ -2666,7 +2673,7 @@
           <a:p>
             <a:fld id="{F42FB555-FBBE-8B44-A6B9-742B2ECDC55B}" type="datetimeFigureOut">
               <a:rPr lang="en-US" smtClean="0"/>
-              <a:t>6/12/24</a:t>
+              <a:t>7/8/24</a:t>
             </a:fld>
             <a:endParaRPr lang="en-US"/>
           </a:p>
@@ -2907,7 +2914,7 @@
           <a:p>
             <a:fld id="{F42FB555-FBBE-8B44-A6B9-742B2ECDC55B}" type="datetimeFigureOut">
               <a:rPr lang="en-US" smtClean="0"/>
-              <a:t>6/12/24</a:t>
+              <a:t>7/8/24</a:t>
             </a:fld>
             <a:endParaRPr lang="en-US"/>
           </a:p>
@@ -4119,6 +4126,523 @@
     <p:extLst>
       <p:ext uri="{BB962C8B-B14F-4D97-AF65-F5344CB8AC3E}">
         <p14:creationId xmlns:p14="http://schemas.microsoft.com/office/powerpoint/2010/main" val="3890881488"/>
+      </p:ext>
+    </p:extLst>
+  </p:cSld>
+  <p:clrMapOvr>
+    <a:masterClrMapping/>
+  </p:clrMapOvr>
+</p:sld>
+</file>
+
+<file path=ppt/slides/slide5.xml><?xml version="1.0" encoding="utf-8"?>
+<p:sld xmlns:a="http://schemas.openxmlformats.org/drawingml/2006/main" xmlns:r="http://schemas.openxmlformats.org/officeDocument/2006/relationships" xmlns:p="http://schemas.openxmlformats.org/presentationml/2006/main">
+  <p:cSld>
+    <p:spTree>
+      <p:nvGrpSpPr>
+        <p:cNvPr id="1" name=""/>
+        <p:cNvGrpSpPr/>
+        <p:nvPr/>
+      </p:nvGrpSpPr>
+      <p:grpSpPr>
+        <a:xfrm>
+          <a:off x="0" y="0"/>
+          <a:ext cx="0" cy="0"/>
+          <a:chOff x="0" y="0"/>
+          <a:chExt cx="0" cy="0"/>
+        </a:xfrm>
+      </p:grpSpPr>
+      <p:sp>
+        <p:nvSpPr>
+          <p:cNvPr id="2" name="Title 1">
+            <a:extLst>
+              <a:ext uri="{FF2B5EF4-FFF2-40B4-BE49-F238E27FC236}">
+                <a16:creationId xmlns:a16="http://schemas.microsoft.com/office/drawing/2014/main" id="{1A877E3B-C8DE-F07E-AF0F-4CF353351B7C}"/>
+              </a:ext>
+            </a:extLst>
+          </p:cNvPr>
+          <p:cNvSpPr>
+            <a:spLocks noGrp="1"/>
+          </p:cNvSpPr>
+          <p:nvPr>
+            <p:ph type="title"/>
+          </p:nvPr>
+        </p:nvSpPr>
+        <p:spPr/>
+        <p:txBody>
+          <a:bodyPr/>
+          <a:lstStyle/>
+          <a:p>
+            <a:r>
+              <a:rPr lang="en-US" dirty="0"/>
+              <a:t>2izm_Quadruple Mutation – PHI 9.5</a:t>
+            </a:r>
+          </a:p>
+        </p:txBody>
+      </p:sp>
+      <p:sp>
+        <p:nvSpPr>
+          <p:cNvPr id="4" name="TextBox 3">
+            <a:extLst>
+              <a:ext uri="{FF2B5EF4-FFF2-40B4-BE49-F238E27FC236}">
+                <a16:creationId xmlns:a16="http://schemas.microsoft.com/office/drawing/2014/main" id="{728302CB-C012-00EF-0450-25C9128C2913}"/>
+              </a:ext>
+            </a:extLst>
+          </p:cNvPr>
+          <p:cNvSpPr txBox="1"/>
+          <p:nvPr/>
+        </p:nvSpPr>
+        <p:spPr>
+          <a:xfrm>
+            <a:off x="838200" y="1757723"/>
+            <a:ext cx="6094990" cy="923330"/>
+          </a:xfrm>
+          <a:prstGeom prst="rect">
+            <a:avLst/>
+          </a:prstGeom>
+          <a:noFill/>
+        </p:spPr>
+        <p:txBody>
+          <a:bodyPr wrap="square">
+            <a:spAutoFit/>
+          </a:bodyPr>
+          <a:lstStyle/>
+          <a:p>
+            <a:r>
+              <a:rPr lang="en-US" b="0" i="0" dirty="0">
+                <a:solidFill>
+                  <a:srgbClr val="000000"/>
+                </a:solidFill>
+                <a:effectLst/>
+                <a:highlight>
+                  <a:srgbClr val="FFFFFF"/>
+                </a:highlight>
+              </a:rPr>
+              <a:t>Pearson rank correlation coefficient: -0.388 </a:t>
+            </a:r>
+          </a:p>
+          <a:p>
+            <a:r>
+              <a:rPr lang="en-US" b="0" i="0" dirty="0">
+                <a:solidFill>
+                  <a:srgbClr val="000000"/>
+                </a:solidFill>
+                <a:effectLst/>
+                <a:highlight>
+                  <a:srgbClr val="FFFFFF"/>
+                </a:highlight>
+              </a:rPr>
+              <a:t>Spearman rank correlation coefficient: -0.535 </a:t>
+            </a:r>
+          </a:p>
+          <a:p>
+            <a:r>
+              <a:rPr lang="en-US" b="0" i="0" dirty="0">
+                <a:solidFill>
+                  <a:srgbClr val="000000"/>
+                </a:solidFill>
+                <a:effectLst/>
+                <a:highlight>
+                  <a:srgbClr val="FFFFFF"/>
+                </a:highlight>
+              </a:rPr>
+              <a:t>Coefficient of Determination (R^2): 0.151</a:t>
+            </a:r>
+            <a:endParaRPr lang="en-US" dirty="0"/>
+          </a:p>
+        </p:txBody>
+      </p:sp>
+      <p:pic>
+        <p:nvPicPr>
+          <p:cNvPr id="1026" name="Picture 2">
+            <a:extLst>
+              <a:ext uri="{FF2B5EF4-FFF2-40B4-BE49-F238E27FC236}">
+                <a16:creationId xmlns:a16="http://schemas.microsoft.com/office/drawing/2014/main" id="{46FBCD92-5EC7-C542-4410-B9334CBDB70B}"/>
+              </a:ext>
+            </a:extLst>
+          </p:cNvPr>
+          <p:cNvPicPr>
+            <a:picLocks noChangeAspect="1" noChangeArrowheads="1"/>
+          </p:cNvPicPr>
+          <p:nvPr/>
+        </p:nvPicPr>
+        <p:blipFill>
+          <a:blip r:embed="rId2">
+            <a:extLst>
+              <a:ext uri="{28A0092B-C50C-407E-A947-70E740481C1C}">
+                <a14:useLocalDpi xmlns:a14="http://schemas.microsoft.com/office/drawing/2010/main" val="0"/>
+              </a:ext>
+            </a:extLst>
+          </a:blip>
+          <a:srcRect/>
+          <a:stretch>
+            <a:fillRect/>
+          </a:stretch>
+        </p:blipFill>
+        <p:spPr bwMode="auto">
+          <a:xfrm>
+            <a:off x="131962" y="3405440"/>
+            <a:ext cx="3857310" cy="2728581"/>
+          </a:xfrm>
+          <a:prstGeom prst="rect">
+            <a:avLst/>
+          </a:prstGeom>
+          <a:noFill/>
+          <a:extLst>
+            <a:ext uri="{909E8E84-426E-40DD-AFC4-6F175D3DCCD1}">
+              <a14:hiddenFill xmlns:a14="http://schemas.microsoft.com/office/drawing/2010/main">
+                <a:solidFill>
+                  <a:srgbClr val="FFFFFF"/>
+                </a:solidFill>
+              </a14:hiddenFill>
+            </a:ext>
+          </a:extLst>
+        </p:spPr>
+      </p:pic>
+      <p:pic>
+        <p:nvPicPr>
+          <p:cNvPr id="1028" name="Picture 4">
+            <a:extLst>
+              <a:ext uri="{FF2B5EF4-FFF2-40B4-BE49-F238E27FC236}">
+                <a16:creationId xmlns:a16="http://schemas.microsoft.com/office/drawing/2014/main" id="{49A44280-93D8-D210-34D1-14F0F0F2B620}"/>
+              </a:ext>
+            </a:extLst>
+          </p:cNvPr>
+          <p:cNvPicPr>
+            <a:picLocks noChangeAspect="1" noChangeArrowheads="1"/>
+          </p:cNvPicPr>
+          <p:nvPr/>
+        </p:nvPicPr>
+        <p:blipFill>
+          <a:blip r:embed="rId3">
+            <a:extLst>
+              <a:ext uri="{28A0092B-C50C-407E-A947-70E740481C1C}">
+                <a14:useLocalDpi xmlns:a14="http://schemas.microsoft.com/office/drawing/2010/main" val="0"/>
+              </a:ext>
+            </a:extLst>
+          </a:blip>
+          <a:srcRect/>
+          <a:stretch>
+            <a:fillRect/>
+          </a:stretch>
+        </p:blipFill>
+        <p:spPr bwMode="auto">
+          <a:xfrm>
+            <a:off x="4167345" y="3429000"/>
+            <a:ext cx="3857310" cy="2728581"/>
+          </a:xfrm>
+          <a:prstGeom prst="rect">
+            <a:avLst/>
+          </a:prstGeom>
+          <a:noFill/>
+          <a:extLst>
+            <a:ext uri="{909E8E84-426E-40DD-AFC4-6F175D3DCCD1}">
+              <a14:hiddenFill xmlns:a14="http://schemas.microsoft.com/office/drawing/2010/main">
+                <a:solidFill>
+                  <a:srgbClr val="FFFFFF"/>
+                </a:solidFill>
+              </a14:hiddenFill>
+            </a:ext>
+          </a:extLst>
+        </p:spPr>
+      </p:pic>
+      <p:pic>
+        <p:nvPicPr>
+          <p:cNvPr id="1030" name="Picture 6">
+            <a:extLst>
+              <a:ext uri="{FF2B5EF4-FFF2-40B4-BE49-F238E27FC236}">
+                <a16:creationId xmlns:a16="http://schemas.microsoft.com/office/drawing/2014/main" id="{B8528FAD-29EA-0AF5-EE6E-BB3F1068AC01}"/>
+              </a:ext>
+            </a:extLst>
+          </p:cNvPr>
+          <p:cNvPicPr>
+            <a:picLocks noChangeAspect="1" noChangeArrowheads="1"/>
+          </p:cNvPicPr>
+          <p:nvPr/>
+        </p:nvPicPr>
+        <p:blipFill>
+          <a:blip r:embed="rId4">
+            <a:extLst>
+              <a:ext uri="{28A0092B-C50C-407E-A947-70E740481C1C}">
+                <a14:useLocalDpi xmlns:a14="http://schemas.microsoft.com/office/drawing/2010/main" val="0"/>
+              </a:ext>
+            </a:extLst>
+          </a:blip>
+          <a:srcRect/>
+          <a:stretch>
+            <a:fillRect/>
+          </a:stretch>
+        </p:blipFill>
+        <p:spPr bwMode="auto">
+          <a:xfrm>
+            <a:off x="8202728" y="3429000"/>
+            <a:ext cx="3857311" cy="2728581"/>
+          </a:xfrm>
+          <a:prstGeom prst="rect">
+            <a:avLst/>
+          </a:prstGeom>
+          <a:noFill/>
+          <a:extLst>
+            <a:ext uri="{909E8E84-426E-40DD-AFC4-6F175D3DCCD1}">
+              <a14:hiddenFill xmlns:a14="http://schemas.microsoft.com/office/drawing/2010/main">
+                <a:solidFill>
+                  <a:srgbClr val="FFFFFF"/>
+                </a:solidFill>
+              </a14:hiddenFill>
+            </a:ext>
+          </a:extLst>
+        </p:spPr>
+      </p:pic>
+    </p:spTree>
+    <p:extLst>
+      <p:ext uri="{BB962C8B-B14F-4D97-AF65-F5344CB8AC3E}">
+        <p14:creationId xmlns:p14="http://schemas.microsoft.com/office/powerpoint/2010/main" val="3299007427"/>
+      </p:ext>
+    </p:extLst>
+  </p:cSld>
+  <p:clrMapOvr>
+    <a:masterClrMapping/>
+  </p:clrMapOvr>
+</p:sld>
+</file>
+
+<file path=ppt/slides/slide6.xml><?xml version="1.0" encoding="utf-8"?>
+<p:sld xmlns:a="http://schemas.openxmlformats.org/drawingml/2006/main" xmlns:r="http://schemas.openxmlformats.org/officeDocument/2006/relationships" xmlns:p="http://schemas.openxmlformats.org/presentationml/2006/main">
+  <p:cSld>
+    <p:spTree>
+      <p:nvGrpSpPr>
+        <p:cNvPr id="1" name=""/>
+        <p:cNvGrpSpPr/>
+        <p:nvPr/>
+      </p:nvGrpSpPr>
+      <p:grpSpPr>
+        <a:xfrm>
+          <a:off x="0" y="0"/>
+          <a:ext cx="0" cy="0"/>
+          <a:chOff x="0" y="0"/>
+          <a:chExt cx="0" cy="0"/>
+        </a:xfrm>
+      </p:grpSpPr>
+      <p:sp>
+        <p:nvSpPr>
+          <p:cNvPr id="2" name="Title 1">
+            <a:extLst>
+              <a:ext uri="{FF2B5EF4-FFF2-40B4-BE49-F238E27FC236}">
+                <a16:creationId xmlns:a16="http://schemas.microsoft.com/office/drawing/2014/main" id="{1A877E3B-C8DE-F07E-AF0F-4CF353351B7C}"/>
+              </a:ext>
+            </a:extLst>
+          </p:cNvPr>
+          <p:cNvSpPr>
+            <a:spLocks noGrp="1"/>
+          </p:cNvSpPr>
+          <p:nvPr>
+            <p:ph type="title"/>
+          </p:nvPr>
+        </p:nvSpPr>
+        <p:spPr/>
+        <p:txBody>
+          <a:bodyPr/>
+          <a:lstStyle/>
+          <a:p>
+            <a:r>
+              <a:rPr lang="en-US" dirty="0"/>
+              <a:t>2izm_AF_Quadruple Mutation – PHI 9.5</a:t>
+            </a:r>
+          </a:p>
+        </p:txBody>
+      </p:sp>
+      <p:sp>
+        <p:nvSpPr>
+          <p:cNvPr id="4" name="TextBox 3">
+            <a:extLst>
+              <a:ext uri="{FF2B5EF4-FFF2-40B4-BE49-F238E27FC236}">
+                <a16:creationId xmlns:a16="http://schemas.microsoft.com/office/drawing/2014/main" id="{728302CB-C012-00EF-0450-25C9128C2913}"/>
+              </a:ext>
+            </a:extLst>
+          </p:cNvPr>
+          <p:cNvSpPr txBox="1"/>
+          <p:nvPr/>
+        </p:nvSpPr>
+        <p:spPr>
+          <a:xfrm>
+            <a:off x="838200" y="1757723"/>
+            <a:ext cx="6094990" cy="923330"/>
+          </a:xfrm>
+          <a:prstGeom prst="rect">
+            <a:avLst/>
+          </a:prstGeom>
+          <a:noFill/>
+        </p:spPr>
+        <p:txBody>
+          <a:bodyPr wrap="square">
+            <a:spAutoFit/>
+          </a:bodyPr>
+          <a:lstStyle/>
+          <a:p>
+            <a:r>
+              <a:rPr lang="en-US" dirty="0"/>
+              <a:t>Pearson rank correlation coefficient: -0.248 </a:t>
+            </a:r>
+          </a:p>
+          <a:p>
+            <a:r>
+              <a:rPr lang="en-US" dirty="0"/>
+              <a:t>Spearman rank correlation coefficient: -0.055 </a:t>
+            </a:r>
+          </a:p>
+          <a:p>
+            <a:r>
+              <a:rPr lang="en-US" dirty="0"/>
+              <a:t>Coefficient of Determination (R^2): 0.062</a:t>
+            </a:r>
+          </a:p>
+        </p:txBody>
+      </p:sp>
+      <p:pic>
+        <p:nvPicPr>
+          <p:cNvPr id="3074" name="Picture 2">
+            <a:extLst>
+              <a:ext uri="{FF2B5EF4-FFF2-40B4-BE49-F238E27FC236}">
+                <a16:creationId xmlns:a16="http://schemas.microsoft.com/office/drawing/2014/main" id="{66134A5E-C3DB-D719-25B8-A07C79664037}"/>
+              </a:ext>
+            </a:extLst>
+          </p:cNvPr>
+          <p:cNvPicPr>
+            <a:picLocks noChangeAspect="1" noChangeArrowheads="1"/>
+          </p:cNvPicPr>
+          <p:nvPr/>
+        </p:nvPicPr>
+        <p:blipFill>
+          <a:blip r:embed="rId2">
+            <a:extLst>
+              <a:ext uri="{28A0092B-C50C-407E-A947-70E740481C1C}">
+                <a14:useLocalDpi xmlns:a14="http://schemas.microsoft.com/office/drawing/2010/main" val="0"/>
+              </a:ext>
+            </a:extLst>
+          </a:blip>
+          <a:srcRect/>
+          <a:stretch>
+            <a:fillRect/>
+          </a:stretch>
+        </p:blipFill>
+        <p:spPr bwMode="auto">
+          <a:xfrm>
+            <a:off x="112408" y="3167094"/>
+            <a:ext cx="3816031" cy="2699381"/>
+          </a:xfrm>
+          <a:prstGeom prst="rect">
+            <a:avLst/>
+          </a:prstGeom>
+          <a:noFill/>
+          <a:extLst>
+            <a:ext uri="{909E8E84-426E-40DD-AFC4-6F175D3DCCD1}">
+              <a14:hiddenFill xmlns:a14="http://schemas.microsoft.com/office/drawing/2010/main">
+                <a:solidFill>
+                  <a:srgbClr val="FFFFFF"/>
+                </a:solidFill>
+              </a14:hiddenFill>
+            </a:ext>
+          </a:extLst>
+        </p:spPr>
+      </p:pic>
+      <p:pic>
+        <p:nvPicPr>
+          <p:cNvPr id="3076" name="Picture 4">
+            <a:extLst>
+              <a:ext uri="{FF2B5EF4-FFF2-40B4-BE49-F238E27FC236}">
+                <a16:creationId xmlns:a16="http://schemas.microsoft.com/office/drawing/2014/main" id="{8CF8E2F0-DDB2-51BF-A472-17AB0C6EAABC}"/>
+              </a:ext>
+            </a:extLst>
+          </p:cNvPr>
+          <p:cNvPicPr>
+            <a:picLocks noChangeAspect="1" noChangeArrowheads="1"/>
+          </p:cNvPicPr>
+          <p:nvPr/>
+        </p:nvPicPr>
+        <p:blipFill>
+          <a:blip r:embed="rId3">
+            <a:extLst>
+              <a:ext uri="{28A0092B-C50C-407E-A947-70E740481C1C}">
+                <a14:useLocalDpi xmlns:a14="http://schemas.microsoft.com/office/drawing/2010/main" val="0"/>
+              </a:ext>
+            </a:extLst>
+          </a:blip>
+          <a:srcRect/>
+          <a:stretch>
+            <a:fillRect/>
+          </a:stretch>
+        </p:blipFill>
+        <p:spPr bwMode="auto">
+          <a:xfrm>
+            <a:off x="4187984" y="3167094"/>
+            <a:ext cx="3816031" cy="2699381"/>
+          </a:xfrm>
+          <a:prstGeom prst="rect">
+            <a:avLst/>
+          </a:prstGeom>
+          <a:noFill/>
+          <a:extLst>
+            <a:ext uri="{909E8E84-426E-40DD-AFC4-6F175D3DCCD1}">
+              <a14:hiddenFill xmlns:a14="http://schemas.microsoft.com/office/drawing/2010/main">
+                <a:solidFill>
+                  <a:srgbClr val="FFFFFF"/>
+                </a:solidFill>
+              </a14:hiddenFill>
+            </a:ext>
+          </a:extLst>
+        </p:spPr>
+      </p:pic>
+      <p:pic>
+        <p:nvPicPr>
+          <p:cNvPr id="3078" name="Picture 6">
+            <a:extLst>
+              <a:ext uri="{FF2B5EF4-FFF2-40B4-BE49-F238E27FC236}">
+                <a16:creationId xmlns:a16="http://schemas.microsoft.com/office/drawing/2014/main" id="{9E696324-74B9-C052-E2F3-5B0DD587E7C6}"/>
+              </a:ext>
+            </a:extLst>
+          </p:cNvPr>
+          <p:cNvPicPr>
+            <a:picLocks noChangeAspect="1" noChangeArrowheads="1"/>
+          </p:cNvPicPr>
+          <p:nvPr/>
+        </p:nvPicPr>
+        <p:blipFill>
+          <a:blip r:embed="rId4">
+            <a:extLst>
+              <a:ext uri="{28A0092B-C50C-407E-A947-70E740481C1C}">
+                <a14:useLocalDpi xmlns:a14="http://schemas.microsoft.com/office/drawing/2010/main" val="0"/>
+              </a:ext>
+            </a:extLst>
+          </a:blip>
+          <a:srcRect/>
+          <a:stretch>
+            <a:fillRect/>
+          </a:stretch>
+        </p:blipFill>
+        <p:spPr bwMode="auto">
+          <a:xfrm>
+            <a:off x="8263560" y="3167093"/>
+            <a:ext cx="3816031" cy="2699381"/>
+          </a:xfrm>
+          <a:prstGeom prst="rect">
+            <a:avLst/>
+          </a:prstGeom>
+          <a:noFill/>
+          <a:extLst>
+            <a:ext uri="{909E8E84-426E-40DD-AFC4-6F175D3DCCD1}">
+              <a14:hiddenFill xmlns:a14="http://schemas.microsoft.com/office/drawing/2010/main">
+                <a:solidFill>
+                  <a:srgbClr val="FFFFFF"/>
+                </a:solidFill>
+              </a14:hiddenFill>
+            </a:ext>
+          </a:extLst>
+        </p:spPr>
+      </p:pic>
+    </p:spTree>
+    <p:extLst>
+      <p:ext uri="{BB962C8B-B14F-4D97-AF65-F5344CB8AC3E}">
+        <p14:creationId xmlns:p14="http://schemas.microsoft.com/office/powerpoint/2010/main" val="494623584"/>
       </p:ext>
     </p:extLst>
   </p:cSld>
